--- a/EDAWorkshop-01.pptx
+++ b/EDAWorkshop-01.pptx
@@ -6,7 +6,7 @@
     <p:sldMasterId id="2147483658" r:id="rId2"/>
   </p:sldMasterIdLst>
   <p:notesMasterIdLst>
-    <p:notesMasterId r:id="rId28"/>
+    <p:notesMasterId r:id="rId29"/>
   </p:notesMasterIdLst>
   <p:sldIdLst>
     <p:sldId id="257" r:id="rId3"/>
@@ -34,6 +34,7 @@
     <p:sldId id="280" r:id="rId25"/>
     <p:sldId id="281" r:id="rId26"/>
     <p:sldId id="282" r:id="rId27"/>
+    <p:sldId id="284" r:id="rId28"/>
   </p:sldIdLst>
   <p:sldSz cx="12192000" cy="6858000"/>
   <p:notesSz cx="6858000" cy="9144000"/>
@@ -170,6 +171,7 @@
             <p14:sldId id="280"/>
             <p14:sldId id="281"/>
             <p14:sldId id="282"/>
+            <p14:sldId id="284"/>
           </p14:sldIdLst>
         </p14:section>
       </p14:sectionLst>
@@ -263,7 +265,7 @@
           <a:p>
             <a:fld id="{F54EF023-A732-4A4E-A8FB-240F3D1FABBB}" type="datetimeFigureOut">
               <a:rPr lang="en-US" smtClean="0"/>
-              <a:t>7/30/2023</a:t>
+              <a:t>8/4/2023</a:t>
             </a:fld>
             <a:endParaRPr lang="en-US"/>
           </a:p>
@@ -10211,6 +10213,130 @@
 </p:sld>
 </file>
 
+<file path=ppt/slides/slide26.xml><?xml version="1.0" encoding="utf-8"?>
+<p:sld xmlns:a="http://schemas.openxmlformats.org/drawingml/2006/main" xmlns:r="http://schemas.openxmlformats.org/officeDocument/2006/relationships" xmlns:p="http://schemas.openxmlformats.org/presentationml/2006/main">
+  <p:cSld>
+    <p:spTree>
+      <p:nvGrpSpPr>
+        <p:cNvPr id="1" name=""/>
+        <p:cNvGrpSpPr/>
+        <p:nvPr/>
+      </p:nvGrpSpPr>
+      <p:grpSpPr>
+        <a:xfrm>
+          <a:off x="0" y="0"/>
+          <a:ext cx="0" cy="0"/>
+          <a:chOff x="0" y="0"/>
+          <a:chExt cx="0" cy="0"/>
+        </a:xfrm>
+      </p:grpSpPr>
+      <p:sp>
+        <p:nvSpPr>
+          <p:cNvPr id="2" name="Title 1">
+            <a:extLst>
+              <a:ext uri="{FF2B5EF4-FFF2-40B4-BE49-F238E27FC236}">
+                <a16:creationId xmlns:a16="http://schemas.microsoft.com/office/drawing/2014/main" id="{5402CA2A-DA21-17F0-925B-6821526F0E97}"/>
+              </a:ext>
+            </a:extLst>
+          </p:cNvPr>
+          <p:cNvSpPr>
+            <a:spLocks noGrp="1"/>
+          </p:cNvSpPr>
+          <p:nvPr>
+            <p:ph type="title"/>
+          </p:nvPr>
+        </p:nvSpPr>
+        <p:spPr/>
+        <p:txBody>
+          <a:bodyPr/>
+          <a:lstStyle/>
+          <a:p>
+            <a:r>
+              <a:rPr lang="en-US" dirty="0"/>
+              <a:t>Introduction to today’s Scenario</a:t>
+            </a:r>
+          </a:p>
+        </p:txBody>
+      </p:sp>
+      <p:sp>
+        <p:nvSpPr>
+          <p:cNvPr id="3" name="Content Placeholder 2">
+            <a:extLst>
+              <a:ext uri="{FF2B5EF4-FFF2-40B4-BE49-F238E27FC236}">
+                <a16:creationId xmlns:a16="http://schemas.microsoft.com/office/drawing/2014/main" id="{642A6CCE-6C39-DFE2-3012-655D64F0DD28}"/>
+              </a:ext>
+            </a:extLst>
+          </p:cNvPr>
+          <p:cNvSpPr>
+            <a:spLocks noGrp="1"/>
+          </p:cNvSpPr>
+          <p:nvPr>
+            <p:ph idx="1"/>
+          </p:nvPr>
+        </p:nvSpPr>
+        <p:spPr/>
+        <p:txBody>
+          <a:bodyPr/>
+          <a:lstStyle/>
+          <a:p>
+            <a:r>
+              <a:rPr lang="en-US" dirty="0"/>
+              <a:t>User Stories (Epics)</a:t>
+            </a:r>
+          </a:p>
+          <a:p>
+            <a:pPr lvl="1"/>
+            <a:r>
+              <a:rPr lang="en-US" dirty="0"/>
+              <a:t>Order Placement and Notifications</a:t>
+            </a:r>
+          </a:p>
+          <a:p>
+            <a:pPr lvl="1"/>
+            <a:r>
+              <a:rPr lang="en-US" dirty="0"/>
+              <a:t>Inventory Management and Order Fulfillment</a:t>
+            </a:r>
+          </a:p>
+          <a:p>
+            <a:pPr lvl="1"/>
+            <a:r>
+              <a:rPr lang="en-US" dirty="0"/>
+              <a:t>Inventory Updates and Product Status Display</a:t>
+            </a:r>
+          </a:p>
+          <a:p>
+            <a:pPr lvl="1"/>
+            <a:r>
+              <a:rPr lang="en-US" dirty="0"/>
+              <a:t>Shipping Management and Order Fulfillment</a:t>
+            </a:r>
+          </a:p>
+          <a:p>
+            <a:pPr lvl="1"/>
+            <a:r>
+              <a:rPr lang="en-US" dirty="0"/>
+              <a:t>Shipping Management, Order Updates, and Delivery Confirmation</a:t>
+            </a:r>
+          </a:p>
+          <a:p>
+            <a:endParaRPr lang="en-US" dirty="0"/>
+          </a:p>
+        </p:txBody>
+      </p:sp>
+    </p:spTree>
+    <p:extLst>
+      <p:ext uri="{BB962C8B-B14F-4D97-AF65-F5344CB8AC3E}">
+        <p14:creationId xmlns:p14="http://schemas.microsoft.com/office/powerpoint/2010/main" val="129632394"/>
+      </p:ext>
+    </p:extLst>
+  </p:cSld>
+  <p:clrMapOvr>
+    <a:masterClrMapping/>
+  </p:clrMapOvr>
+</p:sld>
+</file>
+
 <file path=ppt/slides/slide3.xml><?xml version="1.0" encoding="utf-8"?>
 <p:sld xmlns:a="http://schemas.openxmlformats.org/drawingml/2006/main" xmlns:r="http://schemas.openxmlformats.org/officeDocument/2006/relationships" xmlns:p="http://schemas.openxmlformats.org/presentationml/2006/main">
   <p:cSld>
@@ -10459,13 +10585,13 @@
           <a:p>
             <a:r>
               <a:rPr lang="en-US" dirty="0"/>
-              <a:t>Lunch: </a:t>
-            </a:r>
-          </a:p>
-          <a:p>
-            <a:r>
-              <a:rPr lang="en-US" dirty="0"/>
-              <a:t>Breaks:</a:t>
+              <a:t>Lunch: 12:00</a:t>
+            </a:r>
+          </a:p>
+          <a:p>
+            <a:r>
+              <a:rPr lang="en-US" dirty="0"/>
+              <a:t>Breaks</a:t>
             </a:r>
           </a:p>
           <a:p>
@@ -10473,7 +10599,10 @@
               <a:rPr lang="en-US" dirty="0" err="1"/>
               <a:t>WiFi</a:t>
             </a:r>
-            <a:endParaRPr lang="en-US" dirty="0"/>
+            <a:r>
+              <a:rPr lang="en-US" dirty="0"/>
+              <a:t>: Cavin-Guest</a:t>
+            </a:r>
           </a:p>
         </p:txBody>
       </p:sp>

--- a/EDAWorkshop-01.pptx
+++ b/EDAWorkshop-01.pptx
@@ -6,35 +6,34 @@
     <p:sldMasterId id="2147483658" r:id="rId2"/>
   </p:sldMasterIdLst>
   <p:notesMasterIdLst>
-    <p:notesMasterId r:id="rId29"/>
+    <p:notesMasterId r:id="rId28"/>
   </p:notesMasterIdLst>
   <p:sldIdLst>
     <p:sldId id="257" r:id="rId3"/>
-    <p:sldId id="259" r:id="rId4"/>
-    <p:sldId id="260" r:id="rId5"/>
-    <p:sldId id="283" r:id="rId6"/>
-    <p:sldId id="278" r:id="rId7"/>
-    <p:sldId id="261" r:id="rId8"/>
-    <p:sldId id="262" r:id="rId9"/>
-    <p:sldId id="265" r:id="rId10"/>
-    <p:sldId id="266" r:id="rId11"/>
-    <p:sldId id="267" r:id="rId12"/>
-    <p:sldId id="268" r:id="rId13"/>
-    <p:sldId id="269" r:id="rId14"/>
-    <p:sldId id="263" r:id="rId15"/>
-    <p:sldId id="271" r:id="rId16"/>
-    <p:sldId id="277" r:id="rId17"/>
-    <p:sldId id="272" r:id="rId18"/>
-    <p:sldId id="273" r:id="rId19"/>
-    <p:sldId id="274" r:id="rId20"/>
-    <p:sldId id="276" r:id="rId21"/>
-    <p:sldId id="270" r:id="rId22"/>
-    <p:sldId id="279" r:id="rId23"/>
-    <p:sldId id="258" r:id="rId24"/>
-    <p:sldId id="280" r:id="rId25"/>
-    <p:sldId id="281" r:id="rId26"/>
-    <p:sldId id="282" r:id="rId27"/>
-    <p:sldId id="284" r:id="rId28"/>
+    <p:sldId id="285" r:id="rId4"/>
+    <p:sldId id="283" r:id="rId5"/>
+    <p:sldId id="278" r:id="rId6"/>
+    <p:sldId id="261" r:id="rId7"/>
+    <p:sldId id="262" r:id="rId8"/>
+    <p:sldId id="265" r:id="rId9"/>
+    <p:sldId id="266" r:id="rId10"/>
+    <p:sldId id="267" r:id="rId11"/>
+    <p:sldId id="268" r:id="rId12"/>
+    <p:sldId id="269" r:id="rId13"/>
+    <p:sldId id="263" r:id="rId14"/>
+    <p:sldId id="271" r:id="rId15"/>
+    <p:sldId id="277" r:id="rId16"/>
+    <p:sldId id="272" r:id="rId17"/>
+    <p:sldId id="273" r:id="rId18"/>
+    <p:sldId id="274" r:id="rId19"/>
+    <p:sldId id="276" r:id="rId20"/>
+    <p:sldId id="270" r:id="rId21"/>
+    <p:sldId id="279" r:id="rId22"/>
+    <p:sldId id="258" r:id="rId23"/>
+    <p:sldId id="280" r:id="rId24"/>
+    <p:sldId id="281" r:id="rId25"/>
+    <p:sldId id="282" r:id="rId26"/>
+    <p:sldId id="284" r:id="rId27"/>
   </p:sldIdLst>
   <p:sldSz cx="12192000" cy="6858000"/>
   <p:notesSz cx="6858000" cy="9144000"/>
@@ -139,8 +138,7 @@
         <p14:section name="Welcome" id="{5CEB8808-7C0F-4FBF-A2DE-033737CE5ADB}">
           <p14:sldIdLst>
             <p14:sldId id="257"/>
-            <p14:sldId id="259"/>
-            <p14:sldId id="260"/>
+            <p14:sldId id="285"/>
             <p14:sldId id="283"/>
           </p14:sldIdLst>
         </p14:section>
@@ -265,7 +263,7 @@
           <a:p>
             <a:fld id="{F54EF023-A732-4A4E-A8FB-240F3D1FABBB}" type="datetimeFigureOut">
               <a:rPr lang="en-US" smtClean="0"/>
-              <a:t>8/4/2023</a:t>
+              <a:t>11/5/2023</a:t>
             </a:fld>
             <a:endParaRPr lang="en-US"/>
           </a:p>
@@ -718,7 +716,7 @@
           <a:p>
             <a:fld id="{A4D61497-3438-4A57-A4F0-56E725182219}" type="slidenum">
               <a:rPr lang="en-US" smtClean="0"/>
-              <a:t>14</a:t>
+              <a:t>13</a:t>
             </a:fld>
             <a:endParaRPr lang="en-US"/>
           </a:p>
@@ -853,7 +851,7 @@
           <a:p>
             <a:fld id="{A4D61497-3438-4A57-A4F0-56E725182219}" type="slidenum">
               <a:rPr lang="en-US" smtClean="0"/>
-              <a:t>15</a:t>
+              <a:t>14</a:t>
             </a:fld>
             <a:endParaRPr lang="en-US"/>
           </a:p>
@@ -984,7 +982,7 @@
           <a:p>
             <a:fld id="{A4D61497-3438-4A57-A4F0-56E725182219}" type="slidenum">
               <a:rPr lang="en-US" smtClean="0"/>
-              <a:t>16</a:t>
+              <a:t>15</a:t>
             </a:fld>
             <a:endParaRPr lang="en-US"/>
           </a:p>
@@ -1105,7 +1103,7 @@
           <a:p>
             <a:fld id="{A4D61497-3438-4A57-A4F0-56E725182219}" type="slidenum">
               <a:rPr lang="en-US" smtClean="0"/>
-              <a:t>17</a:t>
+              <a:t>16</a:t>
             </a:fld>
             <a:endParaRPr lang="en-US"/>
           </a:p>
@@ -1226,7 +1224,7 @@
           <a:p>
             <a:fld id="{A4D61497-3438-4A57-A4F0-56E725182219}" type="slidenum">
               <a:rPr lang="en-US" smtClean="0"/>
-              <a:t>18</a:t>
+              <a:t>17</a:t>
             </a:fld>
             <a:endParaRPr lang="en-US"/>
           </a:p>
@@ -1347,7 +1345,7 @@
           <a:p>
             <a:fld id="{A4D61497-3438-4A57-A4F0-56E725182219}" type="slidenum">
               <a:rPr lang="en-US" smtClean="0"/>
-              <a:t>19</a:t>
+              <a:t>18</a:t>
             </a:fld>
             <a:endParaRPr lang="en-US"/>
           </a:p>
@@ -1454,7 +1452,7 @@
           <a:p>
             <a:fld id="{A4D61497-3438-4A57-A4F0-56E725182219}" type="slidenum">
               <a:rPr lang="en-US" smtClean="0"/>
-              <a:t>20</a:t>
+              <a:t>19</a:t>
             </a:fld>
             <a:endParaRPr lang="en-US"/>
           </a:p>
@@ -1550,7 +1548,7 @@
           <a:p>
             <a:fld id="{A4D61497-3438-4A57-A4F0-56E725182219}" type="slidenum">
               <a:rPr lang="en-US" smtClean="0"/>
-              <a:t>24</a:t>
+              <a:t>23</a:t>
             </a:fld>
             <a:endParaRPr lang="en-US"/>
           </a:p>
@@ -1634,7 +1632,7 @@
           <a:p>
             <a:fld id="{A4D61497-3438-4A57-A4F0-56E725182219}" type="slidenum">
               <a:rPr lang="en-US" smtClean="0"/>
-              <a:t>25</a:t>
+              <a:t>24</a:t>
             </a:fld>
             <a:endParaRPr lang="en-US"/>
           </a:p>
@@ -1763,7 +1761,7 @@
           <a:p>
             <a:fld id="{A4D61497-3438-4A57-A4F0-56E725182219}" type="slidenum">
               <a:rPr lang="en-US" smtClean="0"/>
-              <a:t>6</a:t>
+              <a:t>5</a:t>
             </a:fld>
             <a:endParaRPr lang="en-US"/>
           </a:p>
@@ -1850,7 +1848,7 @@
           <a:p>
             <a:fld id="{A4D61497-3438-4A57-A4F0-56E725182219}" type="slidenum">
               <a:rPr lang="en-US" smtClean="0"/>
-              <a:t>7</a:t>
+              <a:t>6</a:t>
             </a:fld>
             <a:endParaRPr lang="en-US"/>
           </a:p>
@@ -1978,7 +1976,7 @@
           <a:p>
             <a:fld id="{A4D61497-3438-4A57-A4F0-56E725182219}" type="slidenum">
               <a:rPr lang="en-US" smtClean="0"/>
-              <a:t>8</a:t>
+              <a:t>7</a:t>
             </a:fld>
             <a:endParaRPr lang="en-US"/>
           </a:p>
@@ -2106,7 +2104,7 @@
           <a:p>
             <a:fld id="{A4D61497-3438-4A57-A4F0-56E725182219}" type="slidenum">
               <a:rPr lang="en-US" smtClean="0"/>
-              <a:t>9</a:t>
+              <a:t>8</a:t>
             </a:fld>
             <a:endParaRPr lang="en-US"/>
           </a:p>
@@ -2238,7 +2236,7 @@
           <a:p>
             <a:fld id="{A4D61497-3438-4A57-A4F0-56E725182219}" type="slidenum">
               <a:rPr lang="en-US" smtClean="0"/>
-              <a:t>10</a:t>
+              <a:t>9</a:t>
             </a:fld>
             <a:endParaRPr lang="en-US"/>
           </a:p>
@@ -2359,7 +2357,7 @@
           <a:p>
             <a:fld id="{A4D61497-3438-4A57-A4F0-56E725182219}" type="slidenum">
               <a:rPr lang="en-US" smtClean="0"/>
-              <a:t>11</a:t>
+              <a:t>10</a:t>
             </a:fld>
             <a:endParaRPr lang="en-US"/>
           </a:p>
@@ -2490,7 +2488,7 @@
           <a:p>
             <a:fld id="{A4D61497-3438-4A57-A4F0-56E725182219}" type="slidenum">
               <a:rPr lang="en-US" smtClean="0"/>
-              <a:t>12</a:t>
+              <a:t>11</a:t>
             </a:fld>
             <a:endParaRPr lang="en-US"/>
           </a:p>
@@ -2577,7 +2575,7 @@
           <a:p>
             <a:fld id="{A4D61497-3438-4A57-A4F0-56E725182219}" type="slidenum">
               <a:rPr lang="en-US" smtClean="0"/>
-              <a:t>13</a:t>
+              <a:t>12</a:t>
             </a:fld>
             <a:endParaRPr lang="en-US"/>
           </a:p>
@@ -5076,251 +5074,6 @@
         <p:spPr>
           <a:xfrm>
             <a:off x="3667225" y="4417996"/>
-            <a:ext cx="4221027" cy="923330"/>
-          </a:xfrm>
-          <a:prstGeom prst="rect">
-            <a:avLst/>
-          </a:prstGeom>
-          <a:noFill/>
-        </p:spPr>
-        <p:txBody>
-          <a:bodyPr wrap="none" rtlCol="0">
-            <a:spAutoFit/>
-          </a:bodyPr>
-          <a:lstStyle/>
-          <a:p>
-            <a:pPr marL="285750" indent="-285750">
-              <a:buFont typeface="Arial" panose="020B0604020202020204" pitchFamily="34" charset="0"/>
-              <a:buChar char="•"/>
-            </a:pPr>
-            <a:r>
-              <a:rPr lang="en-US" dirty="0"/>
-              <a:t>Understanding Customer Needs</a:t>
-            </a:r>
-          </a:p>
-          <a:p>
-            <a:pPr marL="285750" indent="-285750">
-              <a:buFont typeface="Arial" panose="020B0604020202020204" pitchFamily="34" charset="0"/>
-              <a:buChar char="•"/>
-            </a:pPr>
-            <a:r>
-              <a:rPr lang="en-US" dirty="0"/>
-              <a:t>Architecting Customer-Centric Solutions</a:t>
-            </a:r>
-          </a:p>
-          <a:p>
-            <a:pPr marL="285750" indent="-285750">
-              <a:buFont typeface="Arial" panose="020B0604020202020204" pitchFamily="34" charset="0"/>
-              <a:buChar char="•"/>
-            </a:pPr>
-            <a:r>
-              <a:rPr lang="en-US" dirty="0"/>
-              <a:t>Cloud Architecture Principles</a:t>
-            </a:r>
-          </a:p>
-        </p:txBody>
-      </p:sp>
-    </p:spTree>
-    <p:extLst>
-      <p:ext uri="{BB962C8B-B14F-4D97-AF65-F5344CB8AC3E}">
-        <p14:creationId xmlns:p14="http://schemas.microsoft.com/office/powerpoint/2010/main" val="3416197907"/>
-      </p:ext>
-    </p:extLst>
-  </p:cSld>
-  <p:clrMapOvr>
-    <a:masterClrMapping/>
-  </p:clrMapOvr>
-  <p:timing>
-    <p:tnLst>
-      <p:par>
-        <p:cTn id="1" dur="indefinite" restart="never" nodeType="tmRoot">
-          <p:childTnLst>
-            <p:seq concurrent="1" nextAc="seek">
-              <p:cTn id="2" dur="indefinite" nodeType="mainSeq">
-                <p:childTnLst>
-                  <p:par>
-                    <p:cTn id="3" fill="hold">
-                      <p:stCondLst>
-                        <p:cond delay="indefinite"/>
-                        <p:cond evt="onBegin" delay="0">
-                          <p:tn val="2"/>
-                        </p:cond>
-                      </p:stCondLst>
-                      <p:childTnLst>
-                        <p:par>
-                          <p:cTn id="4" fill="hold">
-                            <p:stCondLst>
-                              <p:cond delay="0"/>
-                            </p:stCondLst>
-                            <p:childTnLst>
-                              <p:par>
-                                <p:cTn id="5" presetID="10" presetClass="entr" presetSubtype="0" fill="hold" nodeType="afterEffect">
-                                  <p:stCondLst>
-                                    <p:cond delay="0"/>
-                                  </p:stCondLst>
-                                  <p:childTnLst>
-                                    <p:set>
-                                      <p:cBhvr>
-                                        <p:cTn id="6" dur="1" fill="hold">
-                                          <p:stCondLst>
-                                            <p:cond delay="0"/>
-                                          </p:stCondLst>
-                                        </p:cTn>
-                                        <p:tgtEl>
-                                          <p:spTgt spid="4">
-                                            <p:txEl>
-                                              <p:pRg st="2" end="2"/>
-                                            </p:txEl>
-                                          </p:spTgt>
-                                        </p:tgtEl>
-                                        <p:attrNameLst>
-                                          <p:attrName>style.visibility</p:attrName>
-                                        </p:attrNameLst>
-                                      </p:cBhvr>
-                                      <p:to>
-                                        <p:strVal val="visible"/>
-                                      </p:to>
-                                    </p:set>
-                                    <p:animEffect transition="in" filter="fade">
-                                      <p:cBhvr>
-                                        <p:cTn id="7" dur="500"/>
-                                        <p:tgtEl>
-                                          <p:spTgt spid="4">
-                                            <p:txEl>
-                                              <p:pRg st="2" end="2"/>
-                                            </p:txEl>
-                                          </p:spTgt>
-                                        </p:tgtEl>
-                                      </p:cBhvr>
-                                    </p:animEffect>
-                                  </p:childTnLst>
-                                </p:cTn>
-                              </p:par>
-                            </p:childTnLst>
-                          </p:cTn>
-                        </p:par>
-                      </p:childTnLst>
-                    </p:cTn>
-                  </p:par>
-                </p:childTnLst>
-              </p:cTn>
-              <p:prevCondLst>
-                <p:cond evt="onPrev" delay="0">
-                  <p:tgtEl>
-                    <p:sldTgt/>
-                  </p:tgtEl>
-                </p:cond>
-              </p:prevCondLst>
-              <p:nextCondLst>
-                <p:cond evt="onNext" delay="0">
-                  <p:tgtEl>
-                    <p:sldTgt/>
-                  </p:tgtEl>
-                </p:cond>
-              </p:nextCondLst>
-            </p:seq>
-          </p:childTnLst>
-        </p:cTn>
-      </p:par>
-    </p:tnLst>
-  </p:timing>
-</p:sld>
-</file>
-
-<file path=ppt/slides/slide11.xml><?xml version="1.0" encoding="utf-8"?>
-<p:sld xmlns:a="http://schemas.openxmlformats.org/drawingml/2006/main" xmlns:r="http://schemas.openxmlformats.org/officeDocument/2006/relationships" xmlns:p="http://schemas.openxmlformats.org/presentationml/2006/main">
-  <p:cSld>
-    <p:spTree>
-      <p:nvGrpSpPr>
-        <p:cNvPr id="1" name=""/>
-        <p:cNvGrpSpPr/>
-        <p:nvPr/>
-      </p:nvGrpSpPr>
-      <p:grpSpPr>
-        <a:xfrm>
-          <a:off x="0" y="0"/>
-          <a:ext cx="0" cy="0"/>
-          <a:chOff x="0" y="0"/>
-          <a:chExt cx="0" cy="0"/>
-        </a:xfrm>
-      </p:grpSpPr>
-      <p:sp>
-        <p:nvSpPr>
-          <p:cNvPr id="2" name="Title 1">
-            <a:extLst>
-              <a:ext uri="{FF2B5EF4-FFF2-40B4-BE49-F238E27FC236}">
-                <a16:creationId xmlns:a16="http://schemas.microsoft.com/office/drawing/2014/main" id="{14934B51-D208-1122-C7CC-E99AC8B7B203}"/>
-              </a:ext>
-            </a:extLst>
-          </p:cNvPr>
-          <p:cNvSpPr>
-            <a:spLocks noGrp="1"/>
-          </p:cNvSpPr>
-          <p:nvPr>
-            <p:ph type="title"/>
-          </p:nvPr>
-        </p:nvSpPr>
-        <p:spPr/>
-        <p:txBody>
-          <a:bodyPr/>
-          <a:lstStyle/>
-          <a:p>
-            <a:r>
-              <a:rPr lang="en-US" dirty="0"/>
-              <a:t>Agenda</a:t>
-            </a:r>
-          </a:p>
-        </p:txBody>
-      </p:sp>
-      <p:sp>
-        <p:nvSpPr>
-          <p:cNvPr id="3" name="Content Placeholder 2">
-            <a:extLst>
-              <a:ext uri="{FF2B5EF4-FFF2-40B4-BE49-F238E27FC236}">
-                <a16:creationId xmlns:a16="http://schemas.microsoft.com/office/drawing/2014/main" id="{BB87AE56-8EE7-0B67-1928-C884B62C680A}"/>
-              </a:ext>
-            </a:extLst>
-          </p:cNvPr>
-          <p:cNvSpPr>
-            <a:spLocks noGrp="1"/>
-          </p:cNvSpPr>
-          <p:nvPr>
-            <p:ph idx="1"/>
-          </p:nvPr>
-        </p:nvSpPr>
-        <p:spPr/>
-        <p:txBody>
-          <a:bodyPr/>
-          <a:lstStyle/>
-          <a:p>
-            <a:r>
-              <a:rPr lang="en-US" dirty="0"/>
-              <a:t>Introductions</a:t>
-            </a:r>
-          </a:p>
-          <a:p>
-            <a:r>
-              <a:rPr lang="en-US" dirty="0"/>
-              <a:t>Architecting Solutions to Meet Customer Needs</a:t>
-            </a:r>
-          </a:p>
-        </p:txBody>
-      </p:sp>
-      <p:sp>
-        <p:nvSpPr>
-          <p:cNvPr id="4" name="TextBox 3">
-            <a:extLst>
-              <a:ext uri="{FF2B5EF4-FFF2-40B4-BE49-F238E27FC236}">
-                <a16:creationId xmlns:a16="http://schemas.microsoft.com/office/drawing/2014/main" id="{7F74B035-71D4-32B5-371E-394363B4F3AA}"/>
-              </a:ext>
-            </a:extLst>
-          </p:cNvPr>
-          <p:cNvSpPr txBox="1"/>
-          <p:nvPr/>
-        </p:nvSpPr>
-        <p:spPr>
-          <a:xfrm>
-            <a:off x="3667225" y="4417996"/>
             <a:ext cx="4221027" cy="1200329"/>
           </a:xfrm>
           <a:prstGeom prst="rect">
@@ -5482,7 +5235,7 @@
 </p:sld>
 </file>
 
-<file path=ppt/slides/slide12.xml><?xml version="1.0" encoding="utf-8"?>
+<file path=ppt/slides/slide11.xml><?xml version="1.0" encoding="utf-8"?>
 <p:sld xmlns:a="http://schemas.openxmlformats.org/drawingml/2006/main" xmlns:r="http://schemas.openxmlformats.org/officeDocument/2006/relationships" xmlns:p="http://schemas.openxmlformats.org/presentationml/2006/main">
   <p:cSld>
     <p:spTree>
@@ -5747,7 +5500,7 @@
 </p:sld>
 </file>
 
-<file path=ppt/slides/slide13.xml><?xml version="1.0" encoding="utf-8"?>
+<file path=ppt/slides/slide12.xml><?xml version="1.0" encoding="utf-8"?>
 <p:sld xmlns:a="http://schemas.openxmlformats.org/drawingml/2006/main" xmlns:r="http://schemas.openxmlformats.org/officeDocument/2006/relationships" xmlns:p="http://schemas.openxmlformats.org/presentationml/2006/main">
   <p:cSld>
     <p:spTree>
@@ -5939,7 +5692,7 @@
 </p:sld>
 </file>
 
-<file path=ppt/slides/slide14.xml><?xml version="1.0" encoding="utf-8"?>
+<file path=ppt/slides/slide13.xml><?xml version="1.0" encoding="utf-8"?>
 <p:sld xmlns:a="http://schemas.openxmlformats.org/drawingml/2006/main" xmlns:r="http://schemas.openxmlformats.org/officeDocument/2006/relationships" xmlns:p="http://schemas.openxmlformats.org/presentationml/2006/main">
   <p:cSld>
     <p:spTree>
@@ -6170,7 +5923,7 @@
 </p:sld>
 </file>
 
-<file path=ppt/slides/slide15.xml><?xml version="1.0" encoding="utf-8"?>
+<file path=ppt/slides/slide14.xml><?xml version="1.0" encoding="utf-8"?>
 <p:sld xmlns:a="http://schemas.openxmlformats.org/drawingml/2006/main" xmlns:r="http://schemas.openxmlformats.org/officeDocument/2006/relationships" xmlns:p="http://schemas.openxmlformats.org/presentationml/2006/main">
   <p:cSld>
     <p:spTree>
@@ -6411,7 +6164,7 @@
 </p:sld>
 </file>
 
-<file path=ppt/slides/slide16.xml><?xml version="1.0" encoding="utf-8"?>
+<file path=ppt/slides/slide15.xml><?xml version="1.0" encoding="utf-8"?>
 <p:sld xmlns:a="http://schemas.openxmlformats.org/drawingml/2006/main" xmlns:r="http://schemas.openxmlformats.org/officeDocument/2006/relationships" xmlns:p="http://schemas.openxmlformats.org/presentationml/2006/main">
   <p:cSld>
     <p:spTree>
@@ -6662,7 +6415,7 @@
 </p:sld>
 </file>
 
-<file path=ppt/slides/slide17.xml><?xml version="1.0" encoding="utf-8"?>
+<file path=ppt/slides/slide16.xml><?xml version="1.0" encoding="utf-8"?>
 <p:sld xmlns:a="http://schemas.openxmlformats.org/drawingml/2006/main" xmlns:r="http://schemas.openxmlformats.org/officeDocument/2006/relationships" xmlns:p="http://schemas.openxmlformats.org/presentationml/2006/main">
   <p:cSld>
     <p:spTree>
@@ -6923,7 +6676,7 @@
 </p:sld>
 </file>
 
-<file path=ppt/slides/slide18.xml><?xml version="1.0" encoding="utf-8"?>
+<file path=ppt/slides/slide17.xml><?xml version="1.0" encoding="utf-8"?>
 <p:sld xmlns:a="http://schemas.openxmlformats.org/drawingml/2006/main" xmlns:r="http://schemas.openxmlformats.org/officeDocument/2006/relationships" xmlns:p="http://schemas.openxmlformats.org/presentationml/2006/main">
   <p:cSld>
     <p:spTree>
@@ -7194,7 +6947,7 @@
 </p:sld>
 </file>
 
-<file path=ppt/slides/slide19.xml><?xml version="1.0" encoding="utf-8"?>
+<file path=ppt/slides/slide18.xml><?xml version="1.0" encoding="utf-8"?>
 <p:sld xmlns:a="http://schemas.openxmlformats.org/drawingml/2006/main" xmlns:r="http://schemas.openxmlformats.org/officeDocument/2006/relationships" xmlns:p="http://schemas.openxmlformats.org/presentationml/2006/main">
   <p:cSld>
     <p:spTree>
@@ -7475,73 +7228,7 @@
 </p:sld>
 </file>
 
-<file path=ppt/slides/slide2.xml><?xml version="1.0" encoding="utf-8"?>
-<p:sld xmlns:a="http://schemas.openxmlformats.org/drawingml/2006/main" xmlns:r="http://schemas.openxmlformats.org/officeDocument/2006/relationships" xmlns:p="http://schemas.openxmlformats.org/presentationml/2006/main">
-  <p:cSld>
-    <p:spTree>
-      <p:nvGrpSpPr>
-        <p:cNvPr id="1" name=""/>
-        <p:cNvGrpSpPr/>
-        <p:nvPr/>
-      </p:nvGrpSpPr>
-      <p:grpSpPr>
-        <a:xfrm>
-          <a:off x="0" y="0"/>
-          <a:ext cx="0" cy="0"/>
-          <a:chOff x="0" y="0"/>
-          <a:chExt cx="0" cy="0"/>
-        </a:xfrm>
-      </p:grpSpPr>
-      <p:pic>
-        <p:nvPicPr>
-          <p:cNvPr id="3" name="Picture 2">
-            <a:extLst>
-              <a:ext uri="{FF2B5EF4-FFF2-40B4-BE49-F238E27FC236}">
-                <a16:creationId xmlns:a16="http://schemas.microsoft.com/office/drawing/2014/main" id="{CBF30778-5F46-7591-72C7-78753E2A57EC}"/>
-              </a:ext>
-            </a:extLst>
-          </p:cNvPr>
-          <p:cNvPicPr>
-            <a:picLocks noChangeAspect="1"/>
-          </p:cNvPicPr>
-          <p:nvPr/>
-        </p:nvPicPr>
-        <p:blipFill>
-          <a:blip r:embed="rId2">
-            <a:extLst>
-              <a:ext uri="{28A0092B-C50C-407E-A947-70E740481C1C}">
-                <a14:useLocalDpi xmlns:a14="http://schemas.microsoft.com/office/drawing/2010/main" val="0"/>
-              </a:ext>
-            </a:extLst>
-          </a:blip>
-          <a:stretch>
-            <a:fillRect/>
-          </a:stretch>
-        </p:blipFill>
-        <p:spPr>
-          <a:xfrm>
-            <a:off x="0" y="0"/>
-            <a:ext cx="12192000" cy="6857999"/>
-          </a:xfrm>
-          <a:prstGeom prst="rect">
-            <a:avLst/>
-          </a:prstGeom>
-        </p:spPr>
-      </p:pic>
-    </p:spTree>
-    <p:extLst>
-      <p:ext uri="{BB962C8B-B14F-4D97-AF65-F5344CB8AC3E}">
-        <p14:creationId xmlns:p14="http://schemas.microsoft.com/office/powerpoint/2010/main" val="1434980985"/>
-      </p:ext>
-    </p:extLst>
-  </p:cSld>
-  <p:clrMapOvr>
-    <a:masterClrMapping/>
-  </p:clrMapOvr>
-</p:sld>
-</file>
-
-<file path=ppt/slides/slide20.xml><?xml version="1.0" encoding="utf-8"?>
+<file path=ppt/slides/slide19.xml><?xml version="1.0" encoding="utf-8"?>
 <p:sld xmlns:a="http://schemas.openxmlformats.org/drawingml/2006/main" xmlns:r="http://schemas.openxmlformats.org/officeDocument/2006/relationships" xmlns:p="http://schemas.openxmlformats.org/presentationml/2006/main">
   <p:cSld>
     <p:spTree>
@@ -7739,7 +7426,7 @@
 </p:sld>
 </file>
 
-<file path=ppt/slides/slide21.xml><?xml version="1.0" encoding="utf-8"?>
+<file path=ppt/slides/slide2.xml><?xml version="1.0" encoding="utf-8"?>
 <p:sld xmlns:a="http://schemas.openxmlformats.org/drawingml/2006/main" xmlns:r="http://schemas.openxmlformats.org/officeDocument/2006/relationships" xmlns:p="http://schemas.openxmlformats.org/presentationml/2006/main">
   <p:cSld>
     <p:spTree>
@@ -7761,6 +7448,534 @@
           <p:cNvPr id="2" name="Title 1">
             <a:extLst>
               <a:ext uri="{FF2B5EF4-FFF2-40B4-BE49-F238E27FC236}">
+                <a16:creationId xmlns:a16="http://schemas.microsoft.com/office/drawing/2014/main" id="{820164D2-740D-1BCC-F9CC-2C7023BEA67E}"/>
+              </a:ext>
+            </a:extLst>
+          </p:cNvPr>
+          <p:cNvSpPr>
+            <a:spLocks noGrp="1"/>
+          </p:cNvSpPr>
+          <p:nvPr>
+            <p:ph type="title"/>
+          </p:nvPr>
+        </p:nvSpPr>
+        <p:spPr/>
+        <p:txBody>
+          <a:bodyPr/>
+          <a:lstStyle/>
+          <a:p>
+            <a:r>
+              <a:rPr lang="en-US" dirty="0"/>
+              <a:t>Thank you to the TechBash Sponsors</a:t>
+            </a:r>
+          </a:p>
+        </p:txBody>
+      </p:sp>
+      <p:pic>
+        <p:nvPicPr>
+          <p:cNvPr id="1026" name="Picture 2">
+            <a:extLst>
+              <a:ext uri="{FF2B5EF4-FFF2-40B4-BE49-F238E27FC236}">
+                <a16:creationId xmlns:a16="http://schemas.microsoft.com/office/drawing/2014/main" id="{E2BD7D12-1FC5-7319-E9DC-7E8AB76DD97F}"/>
+              </a:ext>
+            </a:extLst>
+          </p:cNvPr>
+          <p:cNvPicPr>
+            <a:picLocks noChangeAspect="1" noChangeArrowheads="1"/>
+          </p:cNvPicPr>
+          <p:nvPr/>
+        </p:nvPicPr>
+        <p:blipFill>
+          <a:blip r:embed="rId2">
+            <a:extLst>
+              <a:ext uri="{28A0092B-C50C-407E-A947-70E740481C1C}">
+                <a14:useLocalDpi xmlns:a14="http://schemas.microsoft.com/office/drawing/2010/main" val="0"/>
+              </a:ext>
+            </a:extLst>
+          </a:blip>
+          <a:srcRect/>
+          <a:stretch>
+            <a:fillRect/>
+          </a:stretch>
+        </p:blipFill>
+        <p:spPr bwMode="auto">
+          <a:xfrm>
+            <a:off x="358921" y="1404418"/>
+            <a:ext cx="3404879" cy="889003"/>
+          </a:xfrm>
+          <a:prstGeom prst="rect">
+            <a:avLst/>
+          </a:prstGeom>
+          <a:noFill/>
+          <a:extLst>
+            <a:ext uri="{909E8E84-426E-40DD-AFC4-6F175D3DCCD1}">
+              <a14:hiddenFill xmlns:a14="http://schemas.microsoft.com/office/drawing/2010/main">
+                <a:solidFill>
+                  <a:srgbClr val="FFFFFF"/>
+                </a:solidFill>
+              </a14:hiddenFill>
+            </a:ext>
+          </a:extLst>
+        </p:spPr>
+      </p:pic>
+      <p:pic>
+        <p:nvPicPr>
+          <p:cNvPr id="1028" name="Picture 4">
+            <a:extLst>
+              <a:ext uri="{FF2B5EF4-FFF2-40B4-BE49-F238E27FC236}">
+                <a16:creationId xmlns:a16="http://schemas.microsoft.com/office/drawing/2014/main" id="{8789DDAF-862A-CF19-AD6D-AB1EA61CD33B}"/>
+              </a:ext>
+            </a:extLst>
+          </p:cNvPr>
+          <p:cNvPicPr>
+            <a:picLocks noChangeAspect="1" noChangeArrowheads="1"/>
+          </p:cNvPicPr>
+          <p:nvPr/>
+        </p:nvPicPr>
+        <p:blipFill>
+          <a:blip r:embed="rId3">
+            <a:extLst>
+              <a:ext uri="{28A0092B-C50C-407E-A947-70E740481C1C}">
+                <a14:useLocalDpi xmlns:a14="http://schemas.microsoft.com/office/drawing/2010/main" val="0"/>
+              </a:ext>
+            </a:extLst>
+          </a:blip>
+          <a:srcRect/>
+          <a:stretch>
+            <a:fillRect/>
+          </a:stretch>
+        </p:blipFill>
+        <p:spPr bwMode="auto">
+          <a:xfrm>
+            <a:off x="4393560" y="1506601"/>
+            <a:ext cx="3404879" cy="699596"/>
+          </a:xfrm>
+          <a:prstGeom prst="rect">
+            <a:avLst/>
+          </a:prstGeom>
+          <a:noFill/>
+          <a:extLst>
+            <a:ext uri="{909E8E84-426E-40DD-AFC4-6F175D3DCCD1}">
+              <a14:hiddenFill xmlns:a14="http://schemas.microsoft.com/office/drawing/2010/main">
+                <a:solidFill>
+                  <a:srgbClr val="FFFFFF"/>
+                </a:solidFill>
+              </a14:hiddenFill>
+            </a:ext>
+          </a:extLst>
+        </p:spPr>
+      </p:pic>
+      <p:pic>
+        <p:nvPicPr>
+          <p:cNvPr id="1030" name="Picture 6">
+            <a:extLst>
+              <a:ext uri="{FF2B5EF4-FFF2-40B4-BE49-F238E27FC236}">
+                <a16:creationId xmlns:a16="http://schemas.microsoft.com/office/drawing/2014/main" id="{CB170644-2892-04AA-3765-0B66D5C3D3A7}"/>
+              </a:ext>
+            </a:extLst>
+          </p:cNvPr>
+          <p:cNvPicPr>
+            <a:picLocks noChangeAspect="1" noChangeArrowheads="1"/>
+          </p:cNvPicPr>
+          <p:nvPr/>
+        </p:nvPicPr>
+        <p:blipFill>
+          <a:blip r:embed="rId4">
+            <a:extLst>
+              <a:ext uri="{28A0092B-C50C-407E-A947-70E740481C1C}">
+                <a14:useLocalDpi xmlns:a14="http://schemas.microsoft.com/office/drawing/2010/main" val="0"/>
+              </a:ext>
+            </a:extLst>
+          </a:blip>
+          <a:srcRect/>
+          <a:stretch>
+            <a:fillRect/>
+          </a:stretch>
+        </p:blipFill>
+        <p:spPr bwMode="auto">
+          <a:xfrm>
+            <a:off x="8428199" y="1451321"/>
+            <a:ext cx="3404879" cy="1057944"/>
+          </a:xfrm>
+          <a:prstGeom prst="rect">
+            <a:avLst/>
+          </a:prstGeom>
+          <a:noFill/>
+          <a:extLst>
+            <a:ext uri="{909E8E84-426E-40DD-AFC4-6F175D3DCCD1}">
+              <a14:hiddenFill xmlns:a14="http://schemas.microsoft.com/office/drawing/2010/main">
+                <a:solidFill>
+                  <a:srgbClr val="FFFFFF"/>
+                </a:solidFill>
+              </a14:hiddenFill>
+            </a:ext>
+          </a:extLst>
+        </p:spPr>
+      </p:pic>
+      <p:pic>
+        <p:nvPicPr>
+          <p:cNvPr id="1032" name="Picture 8">
+            <a:extLst>
+              <a:ext uri="{FF2B5EF4-FFF2-40B4-BE49-F238E27FC236}">
+                <a16:creationId xmlns:a16="http://schemas.microsoft.com/office/drawing/2014/main" id="{347BA63A-2F81-2BF6-BCC8-804953AB0297}"/>
+              </a:ext>
+            </a:extLst>
+          </p:cNvPr>
+          <p:cNvPicPr>
+            <a:picLocks noChangeAspect="1" noChangeArrowheads="1"/>
+          </p:cNvPicPr>
+          <p:nvPr/>
+        </p:nvPicPr>
+        <p:blipFill>
+          <a:blip r:embed="rId5">
+            <a:extLst>
+              <a:ext uri="{28A0092B-C50C-407E-A947-70E740481C1C}">
+                <a14:useLocalDpi xmlns:a14="http://schemas.microsoft.com/office/drawing/2010/main" val="0"/>
+              </a:ext>
+            </a:extLst>
+          </a:blip>
+          <a:srcRect/>
+          <a:stretch>
+            <a:fillRect/>
+          </a:stretch>
+        </p:blipFill>
+        <p:spPr bwMode="auto">
+          <a:xfrm>
+            <a:off x="358920" y="2649883"/>
+            <a:ext cx="3404879" cy="1143383"/>
+          </a:xfrm>
+          <a:prstGeom prst="rect">
+            <a:avLst/>
+          </a:prstGeom>
+          <a:noFill/>
+          <a:extLst>
+            <a:ext uri="{909E8E84-426E-40DD-AFC4-6F175D3DCCD1}">
+              <a14:hiddenFill xmlns:a14="http://schemas.microsoft.com/office/drawing/2010/main">
+                <a:solidFill>
+                  <a:srgbClr val="FFFFFF"/>
+                </a:solidFill>
+              </a14:hiddenFill>
+            </a:ext>
+          </a:extLst>
+        </p:spPr>
+      </p:pic>
+      <p:pic>
+        <p:nvPicPr>
+          <p:cNvPr id="1034" name="Picture 10">
+            <a:extLst>
+              <a:ext uri="{FF2B5EF4-FFF2-40B4-BE49-F238E27FC236}">
+                <a16:creationId xmlns:a16="http://schemas.microsoft.com/office/drawing/2014/main" id="{E16C3A5D-A43C-5C33-33DB-B401D1F84338}"/>
+              </a:ext>
+            </a:extLst>
+          </p:cNvPr>
+          <p:cNvPicPr>
+            <a:picLocks noChangeAspect="1" noChangeArrowheads="1"/>
+          </p:cNvPicPr>
+          <p:nvPr/>
+        </p:nvPicPr>
+        <p:blipFill>
+          <a:blip r:embed="rId6">
+            <a:extLst>
+              <a:ext uri="{28A0092B-C50C-407E-A947-70E740481C1C}">
+                <a14:useLocalDpi xmlns:a14="http://schemas.microsoft.com/office/drawing/2010/main" val="0"/>
+              </a:ext>
+            </a:extLst>
+          </a:blip>
+          <a:srcRect/>
+          <a:stretch>
+            <a:fillRect/>
+          </a:stretch>
+        </p:blipFill>
+        <p:spPr bwMode="auto">
+          <a:xfrm>
+            <a:off x="4393559" y="2858368"/>
+            <a:ext cx="3404879" cy="726412"/>
+          </a:xfrm>
+          <a:prstGeom prst="rect">
+            <a:avLst/>
+          </a:prstGeom>
+          <a:noFill/>
+          <a:extLst>
+            <a:ext uri="{909E8E84-426E-40DD-AFC4-6F175D3DCCD1}">
+              <a14:hiddenFill xmlns:a14="http://schemas.microsoft.com/office/drawing/2010/main">
+                <a:solidFill>
+                  <a:srgbClr val="FFFFFF"/>
+                </a:solidFill>
+              </a14:hiddenFill>
+            </a:ext>
+          </a:extLst>
+        </p:spPr>
+      </p:pic>
+      <p:pic>
+        <p:nvPicPr>
+          <p:cNvPr id="1036" name="Picture 12">
+            <a:extLst>
+              <a:ext uri="{FF2B5EF4-FFF2-40B4-BE49-F238E27FC236}">
+                <a16:creationId xmlns:a16="http://schemas.microsoft.com/office/drawing/2014/main" id="{5BC04CF7-484A-D724-B1ED-44A8C140F299}"/>
+              </a:ext>
+            </a:extLst>
+          </p:cNvPr>
+          <p:cNvPicPr>
+            <a:picLocks noChangeAspect="1" noChangeArrowheads="1"/>
+          </p:cNvPicPr>
+          <p:nvPr/>
+        </p:nvPicPr>
+        <p:blipFill>
+          <a:blip r:embed="rId7">
+            <a:extLst>
+              <a:ext uri="{28A0092B-C50C-407E-A947-70E740481C1C}">
+                <a14:useLocalDpi xmlns:a14="http://schemas.microsoft.com/office/drawing/2010/main" val="0"/>
+              </a:ext>
+            </a:extLst>
+          </a:blip>
+          <a:srcRect/>
+          <a:stretch>
+            <a:fillRect/>
+          </a:stretch>
+        </p:blipFill>
+        <p:spPr bwMode="auto">
+          <a:xfrm>
+            <a:off x="8260955" y="2695314"/>
+            <a:ext cx="3739365" cy="1097952"/>
+          </a:xfrm>
+          <a:prstGeom prst="rect">
+            <a:avLst/>
+          </a:prstGeom>
+          <a:noFill/>
+          <a:extLst>
+            <a:ext uri="{909E8E84-426E-40DD-AFC4-6F175D3DCCD1}">
+              <a14:hiddenFill xmlns:a14="http://schemas.microsoft.com/office/drawing/2010/main">
+                <a:solidFill>
+                  <a:srgbClr val="FFFFFF"/>
+                </a:solidFill>
+              </a14:hiddenFill>
+            </a:ext>
+          </a:extLst>
+        </p:spPr>
+      </p:pic>
+      <p:pic>
+        <p:nvPicPr>
+          <p:cNvPr id="1038" name="Picture 14">
+            <a:extLst>
+              <a:ext uri="{FF2B5EF4-FFF2-40B4-BE49-F238E27FC236}">
+                <a16:creationId xmlns:a16="http://schemas.microsoft.com/office/drawing/2014/main" id="{7E32EFC2-9250-FE94-93C1-8657912302F0}"/>
+              </a:ext>
+            </a:extLst>
+          </p:cNvPr>
+          <p:cNvPicPr>
+            <a:picLocks noChangeAspect="1" noChangeArrowheads="1"/>
+          </p:cNvPicPr>
+          <p:nvPr/>
+        </p:nvPicPr>
+        <p:blipFill>
+          <a:blip r:embed="rId8">
+            <a:extLst>
+              <a:ext uri="{28A0092B-C50C-407E-A947-70E740481C1C}">
+                <a14:useLocalDpi xmlns:a14="http://schemas.microsoft.com/office/drawing/2010/main" val="0"/>
+              </a:ext>
+            </a:extLst>
+          </a:blip>
+          <a:srcRect/>
+          <a:stretch>
+            <a:fillRect/>
+          </a:stretch>
+        </p:blipFill>
+        <p:spPr bwMode="auto">
+          <a:xfrm>
+            <a:off x="358920" y="4149728"/>
+            <a:ext cx="3404879" cy="905130"/>
+          </a:xfrm>
+          <a:prstGeom prst="rect">
+            <a:avLst/>
+          </a:prstGeom>
+          <a:noFill/>
+          <a:extLst>
+            <a:ext uri="{909E8E84-426E-40DD-AFC4-6F175D3DCCD1}">
+              <a14:hiddenFill xmlns:a14="http://schemas.microsoft.com/office/drawing/2010/main">
+                <a:solidFill>
+                  <a:srgbClr val="FFFFFF"/>
+                </a:solidFill>
+              </a14:hiddenFill>
+            </a:ext>
+          </a:extLst>
+        </p:spPr>
+      </p:pic>
+      <p:pic>
+        <p:nvPicPr>
+          <p:cNvPr id="1040" name="Picture 16">
+            <a:extLst>
+              <a:ext uri="{FF2B5EF4-FFF2-40B4-BE49-F238E27FC236}">
+                <a16:creationId xmlns:a16="http://schemas.microsoft.com/office/drawing/2014/main" id="{B1AF1BEA-BA0C-D80E-0337-EEF86748600A}"/>
+              </a:ext>
+            </a:extLst>
+          </p:cNvPr>
+          <p:cNvPicPr>
+            <a:picLocks noChangeAspect="1" noChangeArrowheads="1"/>
+          </p:cNvPicPr>
+          <p:nvPr/>
+        </p:nvPicPr>
+        <p:blipFill>
+          <a:blip r:embed="rId9">
+            <a:extLst>
+              <a:ext uri="{28A0092B-C50C-407E-A947-70E740481C1C}">
+                <a14:useLocalDpi xmlns:a14="http://schemas.microsoft.com/office/drawing/2010/main" val="0"/>
+              </a:ext>
+            </a:extLst>
+          </a:blip>
+          <a:srcRect/>
+          <a:stretch>
+            <a:fillRect/>
+          </a:stretch>
+        </p:blipFill>
+        <p:spPr bwMode="auto">
+          <a:xfrm>
+            <a:off x="4393560" y="4315365"/>
+            <a:ext cx="3404878" cy="573856"/>
+          </a:xfrm>
+          <a:prstGeom prst="rect">
+            <a:avLst/>
+          </a:prstGeom>
+          <a:noFill/>
+          <a:extLst>
+            <a:ext uri="{909E8E84-426E-40DD-AFC4-6F175D3DCCD1}">
+              <a14:hiddenFill xmlns:a14="http://schemas.microsoft.com/office/drawing/2010/main">
+                <a:solidFill>
+                  <a:srgbClr val="FFFFFF"/>
+                </a:solidFill>
+              </a14:hiddenFill>
+            </a:ext>
+          </a:extLst>
+        </p:spPr>
+      </p:pic>
+      <p:pic>
+        <p:nvPicPr>
+          <p:cNvPr id="1044" name="Picture 20">
+            <a:extLst>
+              <a:ext uri="{FF2B5EF4-FFF2-40B4-BE49-F238E27FC236}">
+                <a16:creationId xmlns:a16="http://schemas.microsoft.com/office/drawing/2014/main" id="{4A9B944F-DDCE-28A8-36C6-482985973159}"/>
+              </a:ext>
+            </a:extLst>
+          </p:cNvPr>
+          <p:cNvPicPr>
+            <a:picLocks noChangeAspect="1" noChangeArrowheads="1"/>
+          </p:cNvPicPr>
+          <p:nvPr/>
+        </p:nvPicPr>
+        <p:blipFill>
+          <a:blip r:embed="rId10">
+            <a:extLst>
+              <a:ext uri="{28A0092B-C50C-407E-A947-70E740481C1C}">
+                <a14:useLocalDpi xmlns:a14="http://schemas.microsoft.com/office/drawing/2010/main" val="0"/>
+              </a:ext>
+            </a:extLst>
+          </a:blip>
+          <a:srcRect/>
+          <a:stretch>
+            <a:fillRect/>
+          </a:stretch>
+        </p:blipFill>
+        <p:spPr bwMode="auto">
+          <a:xfrm>
+            <a:off x="8224983" y="3728419"/>
+            <a:ext cx="3775337" cy="1325563"/>
+          </a:xfrm>
+          <a:prstGeom prst="rect">
+            <a:avLst/>
+          </a:prstGeom>
+          <a:noFill/>
+          <a:extLst>
+            <a:ext uri="{909E8E84-426E-40DD-AFC4-6F175D3DCCD1}">
+              <a14:hiddenFill xmlns:a14="http://schemas.microsoft.com/office/drawing/2010/main">
+                <a:solidFill>
+                  <a:srgbClr val="FFFFFF"/>
+                </a:solidFill>
+              </a14:hiddenFill>
+            </a:ext>
+          </a:extLst>
+        </p:spPr>
+      </p:pic>
+      <p:pic>
+        <p:nvPicPr>
+          <p:cNvPr id="1046" name="Picture 22">
+            <a:extLst>
+              <a:ext uri="{FF2B5EF4-FFF2-40B4-BE49-F238E27FC236}">
+                <a16:creationId xmlns:a16="http://schemas.microsoft.com/office/drawing/2014/main" id="{913C9354-CD27-0D2A-94AE-775C324DC171}"/>
+              </a:ext>
+            </a:extLst>
+          </p:cNvPr>
+          <p:cNvPicPr>
+            <a:picLocks noChangeAspect="1" noChangeArrowheads="1"/>
+          </p:cNvPicPr>
+          <p:nvPr/>
+        </p:nvPicPr>
+        <p:blipFill>
+          <a:blip r:embed="rId11">
+            <a:extLst>
+              <a:ext uri="{28A0092B-C50C-407E-A947-70E740481C1C}">
+                <a14:useLocalDpi xmlns:a14="http://schemas.microsoft.com/office/drawing/2010/main" val="0"/>
+              </a:ext>
+            </a:extLst>
+          </a:blip>
+          <a:srcRect/>
+          <a:stretch>
+            <a:fillRect/>
+          </a:stretch>
+        </p:blipFill>
+        <p:spPr bwMode="auto">
+          <a:xfrm>
+            <a:off x="4393561" y="5373359"/>
+            <a:ext cx="3404877" cy="832156"/>
+          </a:xfrm>
+          <a:prstGeom prst="rect">
+            <a:avLst/>
+          </a:prstGeom>
+          <a:noFill/>
+          <a:extLst>
+            <a:ext uri="{909E8E84-426E-40DD-AFC4-6F175D3DCCD1}">
+              <a14:hiddenFill xmlns:a14="http://schemas.microsoft.com/office/drawing/2010/main">
+                <a:solidFill>
+                  <a:srgbClr val="FFFFFF"/>
+                </a:solidFill>
+              </a14:hiddenFill>
+            </a:ext>
+          </a:extLst>
+        </p:spPr>
+      </p:pic>
+    </p:spTree>
+    <p:extLst>
+      <p:ext uri="{BB962C8B-B14F-4D97-AF65-F5344CB8AC3E}">
+        <p14:creationId xmlns:p14="http://schemas.microsoft.com/office/powerpoint/2010/main" val="2533875174"/>
+      </p:ext>
+    </p:extLst>
+  </p:cSld>
+  <p:clrMapOvr>
+    <a:masterClrMapping/>
+  </p:clrMapOvr>
+</p:sld>
+</file>
+
+<file path=ppt/slides/slide20.xml><?xml version="1.0" encoding="utf-8"?>
+<p:sld xmlns:a="http://schemas.openxmlformats.org/drawingml/2006/main" xmlns:r="http://schemas.openxmlformats.org/officeDocument/2006/relationships" xmlns:p="http://schemas.openxmlformats.org/presentationml/2006/main">
+  <p:cSld>
+    <p:spTree>
+      <p:nvGrpSpPr>
+        <p:cNvPr id="1" name=""/>
+        <p:cNvGrpSpPr/>
+        <p:nvPr/>
+      </p:nvGrpSpPr>
+      <p:grpSpPr>
+        <a:xfrm>
+          <a:off x="0" y="0"/>
+          <a:ext cx="0" cy="0"/>
+          <a:chOff x="0" y="0"/>
+          <a:chExt cx="0" cy="0"/>
+        </a:xfrm>
+      </p:grpSpPr>
+      <p:sp>
+        <p:nvSpPr>
+          <p:cNvPr id="2" name="Title 1">
+            <a:extLst>
+              <a:ext uri="{FF2B5EF4-FFF2-40B4-BE49-F238E27FC236}">
                 <a16:creationId xmlns:a16="http://schemas.microsoft.com/office/drawing/2014/main" id="{A6B615CB-8570-8E89-8A32-AA01D02C10E0}"/>
               </a:ext>
             </a:extLst>
@@ -7797,7 +8012,7 @@
 </p:sld>
 </file>
 
-<file path=ppt/slides/slide22.xml><?xml version="1.0" encoding="utf-8"?>
+<file path=ppt/slides/slide21.xml><?xml version="1.0" encoding="utf-8"?>
 <p:sld xmlns:a="http://schemas.openxmlformats.org/drawingml/2006/main" xmlns:r="http://schemas.openxmlformats.org/officeDocument/2006/relationships" xmlns:p="http://schemas.openxmlformats.org/presentationml/2006/main">
   <p:cSld>
     <p:spTree>
@@ -8337,7 +8552,7 @@
         </p:blipFill>
         <p:spPr>
           <a:xfrm>
-            <a:off x="532588" y="5001472"/>
+            <a:off x="5335751" y="4827164"/>
             <a:ext cx="1520497" cy="1491403"/>
           </a:xfrm>
           <a:prstGeom prst="rect">
@@ -8394,7 +8609,7 @@
 </p:sld>
 </file>
 
-<file path=ppt/slides/slide23.xml><?xml version="1.0" encoding="utf-8"?>
+<file path=ppt/slides/slide22.xml><?xml version="1.0" encoding="utf-8"?>
 <p:sld xmlns:a="http://schemas.openxmlformats.org/drawingml/2006/main" xmlns:r="http://schemas.openxmlformats.org/officeDocument/2006/relationships" xmlns:p="http://schemas.openxmlformats.org/presentationml/2006/main">
   <p:cSld>
     <p:spTree>
@@ -8622,7 +8837,7 @@
 </p:sld>
 </file>
 
-<file path=ppt/slides/slide24.xml><?xml version="1.0" encoding="utf-8"?>
+<file path=ppt/slides/slide23.xml><?xml version="1.0" encoding="utf-8"?>
 <p:sld xmlns:a="http://schemas.openxmlformats.org/drawingml/2006/main" xmlns:r="http://schemas.openxmlformats.org/officeDocument/2006/relationships" xmlns:p="http://schemas.openxmlformats.org/presentationml/2006/main">
   <p:cSld>
     <p:spTree>
@@ -9488,7 +9703,7 @@
 </p:sld>
 </file>
 
-<file path=ppt/slides/slide25.xml><?xml version="1.0" encoding="utf-8"?>
+<file path=ppt/slides/slide24.xml><?xml version="1.0" encoding="utf-8"?>
 <p:sld xmlns:a="http://schemas.openxmlformats.org/drawingml/2006/main" xmlns:r="http://schemas.openxmlformats.org/officeDocument/2006/relationships" xmlns:p="http://schemas.openxmlformats.org/presentationml/2006/main">
   <p:cSld>
     <p:spTree>
@@ -10213,7 +10428,7 @@
 </p:sld>
 </file>
 
-<file path=ppt/slides/slide26.xml><?xml version="1.0" encoding="utf-8"?>
+<file path=ppt/slides/slide25.xml><?xml version="1.0" encoding="utf-8"?>
 <p:sld xmlns:a="http://schemas.openxmlformats.org/drawingml/2006/main" xmlns:r="http://schemas.openxmlformats.org/officeDocument/2006/relationships" xmlns:p="http://schemas.openxmlformats.org/presentationml/2006/main">
   <p:cSld>
     <p:spTree>
@@ -10288,39 +10503,50 @@
             <a:pPr lvl="1"/>
             <a:r>
               <a:rPr lang="en-US" dirty="0"/>
-              <a:t>Order Placement and Notifications</a:t>
+              <a:t>Project Kickoff (Sprint 0)</a:t>
             </a:r>
           </a:p>
           <a:p>
             <a:pPr lvl="1"/>
             <a:r>
               <a:rPr lang="en-US" dirty="0"/>
-              <a:t>Inventory Management and Order Fulfillment</a:t>
+              <a:t>Initialize Product Database</a:t>
             </a:r>
           </a:p>
           <a:p>
             <a:pPr lvl="1"/>
             <a:r>
               <a:rPr lang="en-US" dirty="0"/>
-              <a:t>Inventory Updates and Product Status Display</a:t>
+              <a:t>Place Order</a:t>
             </a:r>
           </a:p>
           <a:p>
             <a:pPr lvl="1"/>
             <a:r>
               <a:rPr lang="en-US" dirty="0"/>
-              <a:t>Shipping Management and Order Fulfillment</a:t>
+              <a:t>Reserve Inventory</a:t>
             </a:r>
           </a:p>
           <a:p>
             <a:pPr lvl="1"/>
             <a:r>
               <a:rPr lang="en-US" dirty="0"/>
-              <a:t>Shipping Management, Order Updates, and Delivery Confirmation</a:t>
-            </a:r>
-          </a:p>
-          <a:p>
-            <a:endParaRPr lang="en-US" dirty="0"/>
+              <a:t>Inventory Update</a:t>
+            </a:r>
+          </a:p>
+          <a:p>
+            <a:pPr lvl="1"/>
+            <a:r>
+              <a:rPr lang="en-US" dirty="0"/>
+              <a:t>Fulfillment</a:t>
+            </a:r>
+          </a:p>
+          <a:p>
+            <a:pPr lvl="1"/>
+            <a:r>
+              <a:rPr lang="en-US" dirty="0"/>
+              <a:t>Close Order</a:t>
+            </a:r>
           </a:p>
         </p:txBody>
       </p:sp>
@@ -10354,154 +10580,88 @@
           <a:chExt cx="0" cy="0"/>
         </a:xfrm>
       </p:grpSpPr>
-      <p:pic>
-        <p:nvPicPr>
-          <p:cNvPr id="2" name="Picture 2" descr="By the Grace of Hops 2023: Beer City Code's Diversity &amp; Inclusion Mixer">
+      <p:sp>
+        <p:nvSpPr>
+          <p:cNvPr id="2" name="Title 1">
             <a:extLst>
               <a:ext uri="{FF2B5EF4-FFF2-40B4-BE49-F238E27FC236}">
-                <a16:creationId xmlns:a16="http://schemas.microsoft.com/office/drawing/2014/main" id="{E8610770-9D77-CC72-CDA1-B646043D7032}"/>
+                <a16:creationId xmlns:a16="http://schemas.microsoft.com/office/drawing/2014/main" id="{28FB37D7-866D-FA84-5781-6A195493DA16}"/>
               </a:ext>
             </a:extLst>
           </p:cNvPr>
-          <p:cNvPicPr>
-            <a:picLocks noChangeAspect="1" noChangeArrowheads="1"/>
-          </p:cNvPicPr>
-          <p:nvPr/>
-        </p:nvPicPr>
-        <p:blipFill rotWithShape="1">
-          <a:blip r:embed="rId2">
-            <a:extLst>
-              <a:ext uri="{28A0092B-C50C-407E-A947-70E740481C1C}">
-                <a14:useLocalDpi xmlns:a14="http://schemas.microsoft.com/office/drawing/2010/main" val="0"/>
-              </a:ext>
-            </a:extLst>
-          </a:blip>
-          <a:srcRect l="33841" t="5968" r="33396" b="5651"/>
-          <a:stretch/>
-        </p:blipFill>
-        <p:spPr bwMode="auto">
-          <a:xfrm>
-            <a:off x="522515" y="398417"/>
-            <a:ext cx="4493623" cy="6061166"/>
-          </a:xfrm>
-          <a:prstGeom prst="rect">
-            <a:avLst/>
-          </a:prstGeom>
-          <a:noFill/>
-          <a:extLst>
-            <a:ext uri="{909E8E84-426E-40DD-AFC4-6F175D3DCCD1}">
-              <a14:hiddenFill xmlns:a14="http://schemas.microsoft.com/office/drawing/2010/main">
-                <a:solidFill>
-                  <a:srgbClr val="FFFFFF"/>
-                </a:solidFill>
-              </a14:hiddenFill>
-            </a:ext>
-          </a:extLst>
-        </p:spPr>
-      </p:pic>
-      <p:sp>
-        <p:nvSpPr>
-          <p:cNvPr id="3" name="TextBox 2">
+          <p:cNvSpPr>
+            <a:spLocks noGrp="1"/>
+          </p:cNvSpPr>
+          <p:nvPr>
+            <p:ph type="title"/>
+          </p:nvPr>
+        </p:nvSpPr>
+        <p:spPr/>
+        <p:txBody>
+          <a:bodyPr/>
+          <a:lstStyle/>
+          <a:p>
+            <a:r>
+              <a:rPr lang="en-US" dirty="0"/>
+              <a:t>Logistics</a:t>
+            </a:r>
+          </a:p>
+        </p:txBody>
+      </p:sp>
+      <p:sp>
+        <p:nvSpPr>
+          <p:cNvPr id="3" name="Content Placeholder 2">
             <a:extLst>
               <a:ext uri="{FF2B5EF4-FFF2-40B4-BE49-F238E27FC236}">
-                <a16:creationId xmlns:a16="http://schemas.microsoft.com/office/drawing/2014/main" id="{76CC5988-7AEB-6770-0216-37F0AFCDA607}"/>
+                <a16:creationId xmlns:a16="http://schemas.microsoft.com/office/drawing/2014/main" id="{20415EAA-84D8-ACC8-A3DC-1357FB13CC66}"/>
               </a:ext>
             </a:extLst>
           </p:cNvPr>
-          <p:cNvSpPr txBox="1"/>
-          <p:nvPr/>
-        </p:nvSpPr>
-        <p:spPr>
-          <a:xfrm>
-            <a:off x="5425441" y="398417"/>
-            <a:ext cx="6435634" cy="1323439"/>
-          </a:xfrm>
-          <a:prstGeom prst="rect">
-            <a:avLst/>
-          </a:prstGeom>
-          <a:noFill/>
-        </p:spPr>
+          <p:cNvSpPr>
+            <a:spLocks noGrp="1"/>
+          </p:cNvSpPr>
+          <p:nvPr>
+            <p:ph idx="1"/>
+          </p:nvPr>
+        </p:nvSpPr>
+        <p:spPr/>
         <p:txBody>
-          <a:bodyPr wrap="square" rtlCol="0">
-            <a:spAutoFit/>
-          </a:bodyPr>
+          <a:bodyPr/>
           <a:lstStyle/>
           <a:p>
-            <a:pPr algn="ctr"/>
-            <a:r>
-              <a:rPr lang="en-US" sz="2000" dirty="0">
-                <a:latin typeface="Kamerik205 8" panose="020B0803030600020004" pitchFamily="34" charset="0"/>
-              </a:rPr>
-              <a:t>Beer City Code’s Diversity &amp; Inclusion Mixer</a:t>
-            </a:r>
-          </a:p>
-          <a:p>
-            <a:pPr algn="ctr"/>
-            <a:r>
-              <a:rPr lang="en-US" sz="2000" dirty="0"/>
-              <a:t>Friday, August 4, 6 to 9pm</a:t>
-            </a:r>
-          </a:p>
-          <a:p>
-            <a:pPr algn="ctr"/>
-            <a:r>
-              <a:rPr lang="en-US" sz="2000" dirty="0" err="1"/>
-              <a:t>LaFleu</a:t>
-            </a:r>
-            <a:r>
-              <a:rPr lang="en-US" sz="2000" dirty="0"/>
-              <a:t> Marketing</a:t>
-            </a:r>
-          </a:p>
-          <a:p>
-            <a:pPr algn="ctr"/>
-            <a:r>
-              <a:rPr lang="en-US" sz="2000" dirty="0"/>
-              <a:t>549 Ottawa Ave NW #201</a:t>
+            <a:r>
+              <a:rPr lang="en-US" dirty="0"/>
+              <a:t>Workshop Hours: 9:00 am to 5:00 pm</a:t>
+            </a:r>
+          </a:p>
+          <a:p>
+            <a:r>
+              <a:rPr lang="en-US" dirty="0"/>
+              <a:t>Lunch: 12:30 to 1:30</a:t>
+            </a:r>
+          </a:p>
+          <a:p>
+            <a:r>
+              <a:rPr lang="en-US" dirty="0"/>
+              <a:t>Breaks</a:t>
+            </a:r>
+          </a:p>
+          <a:p>
+            <a:r>
+              <a:rPr lang="en-US" dirty="0" err="1"/>
+              <a:t>WiFi</a:t>
+            </a:r>
+            <a:r>
+              <a:rPr lang="en-US" dirty="0"/>
+              <a:t>: Cavin-Guest</a:t>
             </a:r>
           </a:p>
         </p:txBody>
       </p:sp>
-      <p:pic>
-        <p:nvPicPr>
-          <p:cNvPr id="4" name="Picture 3">
-            <a:extLst>
-              <a:ext uri="{FF2B5EF4-FFF2-40B4-BE49-F238E27FC236}">
-                <a16:creationId xmlns:a16="http://schemas.microsoft.com/office/drawing/2014/main" id="{8844E9E7-9FC7-CF0F-4D4F-D0736F190432}"/>
-              </a:ext>
-            </a:extLst>
-          </p:cNvPr>
-          <p:cNvPicPr>
-            <a:picLocks noChangeAspect="1"/>
-          </p:cNvPicPr>
-          <p:nvPr/>
-        </p:nvPicPr>
-        <p:blipFill>
-          <a:blip r:embed="rId3">
-            <a:extLst>
-              <a:ext uri="{28A0092B-C50C-407E-A947-70E740481C1C}">
-                <a14:useLocalDpi xmlns:a14="http://schemas.microsoft.com/office/drawing/2010/main" val="0"/>
-              </a:ext>
-            </a:extLst>
-          </a:blip>
-          <a:stretch>
-            <a:fillRect/>
-          </a:stretch>
-        </p:blipFill>
-        <p:spPr>
-          <a:xfrm>
-            <a:off x="6286501" y="1872342"/>
-            <a:ext cx="4713514" cy="4713514"/>
-          </a:xfrm>
-          <a:prstGeom prst="rect">
-            <a:avLst/>
-          </a:prstGeom>
-        </p:spPr>
-      </p:pic>
     </p:spTree>
     <p:extLst>
       <p:ext uri="{BB962C8B-B14F-4D97-AF65-F5344CB8AC3E}">
-        <p14:creationId xmlns:p14="http://schemas.microsoft.com/office/powerpoint/2010/main" val="3322250592"/>
+        <p14:creationId xmlns:p14="http://schemas.microsoft.com/office/powerpoint/2010/main" val="1874479694"/>
       </p:ext>
     </p:extLst>
   </p:cSld>
@@ -10533,7 +10693,7 @@
           <p:cNvPr id="2" name="Title 1">
             <a:extLst>
               <a:ext uri="{FF2B5EF4-FFF2-40B4-BE49-F238E27FC236}">
-                <a16:creationId xmlns:a16="http://schemas.microsoft.com/office/drawing/2014/main" id="{28FB37D7-866D-FA84-5781-6A195493DA16}"/>
+                <a16:creationId xmlns:a16="http://schemas.microsoft.com/office/drawing/2014/main" id="{D14C888F-2266-A8E0-8B93-B2E7829C8FF8}"/>
               </a:ext>
             </a:extLst>
           </p:cNvPr>
@@ -10551,57 +10711,7 @@
           <a:p>
             <a:r>
               <a:rPr lang="en-US" dirty="0"/>
-              <a:t>Logistics</a:t>
-            </a:r>
-          </a:p>
-        </p:txBody>
-      </p:sp>
-      <p:sp>
-        <p:nvSpPr>
-          <p:cNvPr id="3" name="Content Placeholder 2">
-            <a:extLst>
-              <a:ext uri="{FF2B5EF4-FFF2-40B4-BE49-F238E27FC236}">
-                <a16:creationId xmlns:a16="http://schemas.microsoft.com/office/drawing/2014/main" id="{20415EAA-84D8-ACC8-A3DC-1357FB13CC66}"/>
-              </a:ext>
-            </a:extLst>
-          </p:cNvPr>
-          <p:cNvSpPr>
-            <a:spLocks noGrp="1"/>
-          </p:cNvSpPr>
-          <p:nvPr>
-            <p:ph idx="1"/>
-          </p:nvPr>
-        </p:nvSpPr>
-        <p:spPr/>
-        <p:txBody>
-          <a:bodyPr/>
-          <a:lstStyle/>
-          <a:p>
-            <a:r>
-              <a:rPr lang="en-US" dirty="0"/>
-              <a:t>Workshop Hours: 9:00 am to 5:00 pm</a:t>
-            </a:r>
-          </a:p>
-          <a:p>
-            <a:r>
-              <a:rPr lang="en-US" dirty="0"/>
-              <a:t>Lunch: 12:00</a:t>
-            </a:r>
-          </a:p>
-          <a:p>
-            <a:r>
-              <a:rPr lang="en-US" dirty="0"/>
-              <a:t>Breaks</a:t>
-            </a:r>
-          </a:p>
-          <a:p>
-            <a:r>
-              <a:rPr lang="en-US" dirty="0" err="1"/>
-              <a:t>WiFi</a:t>
-            </a:r>
-            <a:r>
-              <a:rPr lang="en-US" dirty="0"/>
-              <a:t>: Cavin-Guest</a:t>
+              <a:t>Agenda</a:t>
             </a:r>
           </a:p>
         </p:txBody>
@@ -10609,7 +10719,7 @@
     </p:spTree>
     <p:extLst>
       <p:ext uri="{BB962C8B-B14F-4D97-AF65-F5344CB8AC3E}">
-        <p14:creationId xmlns:p14="http://schemas.microsoft.com/office/powerpoint/2010/main" val="1874479694"/>
+        <p14:creationId xmlns:p14="http://schemas.microsoft.com/office/powerpoint/2010/main" val="1293347088"/>
       </p:ext>
     </p:extLst>
   </p:cSld>
@@ -10641,64 +10751,6 @@
           <p:cNvPr id="2" name="Title 1">
             <a:extLst>
               <a:ext uri="{FF2B5EF4-FFF2-40B4-BE49-F238E27FC236}">
-                <a16:creationId xmlns:a16="http://schemas.microsoft.com/office/drawing/2014/main" id="{D14C888F-2266-A8E0-8B93-B2E7829C8FF8}"/>
-              </a:ext>
-            </a:extLst>
-          </p:cNvPr>
-          <p:cNvSpPr>
-            <a:spLocks noGrp="1"/>
-          </p:cNvSpPr>
-          <p:nvPr>
-            <p:ph type="title"/>
-          </p:nvPr>
-        </p:nvSpPr>
-        <p:spPr/>
-        <p:txBody>
-          <a:bodyPr/>
-          <a:lstStyle/>
-          <a:p>
-            <a:r>
-              <a:rPr lang="en-US" dirty="0"/>
-              <a:t>Agenda</a:t>
-            </a:r>
-          </a:p>
-        </p:txBody>
-      </p:sp>
-    </p:spTree>
-    <p:extLst>
-      <p:ext uri="{BB962C8B-B14F-4D97-AF65-F5344CB8AC3E}">
-        <p14:creationId xmlns:p14="http://schemas.microsoft.com/office/powerpoint/2010/main" val="1293347088"/>
-      </p:ext>
-    </p:extLst>
-  </p:cSld>
-  <p:clrMapOvr>
-    <a:masterClrMapping/>
-  </p:clrMapOvr>
-</p:sld>
-</file>
-
-<file path=ppt/slides/slide6.xml><?xml version="1.0" encoding="utf-8"?>
-<p:sld xmlns:a="http://schemas.openxmlformats.org/drawingml/2006/main" xmlns:r="http://schemas.openxmlformats.org/officeDocument/2006/relationships" xmlns:p="http://schemas.openxmlformats.org/presentationml/2006/main">
-  <p:cSld>
-    <p:spTree>
-      <p:nvGrpSpPr>
-        <p:cNvPr id="1" name=""/>
-        <p:cNvGrpSpPr/>
-        <p:nvPr/>
-      </p:nvGrpSpPr>
-      <p:grpSpPr>
-        <a:xfrm>
-          <a:off x="0" y="0"/>
-          <a:ext cx="0" cy="0"/>
-          <a:chOff x="0" y="0"/>
-          <a:chExt cx="0" cy="0"/>
-        </a:xfrm>
-      </p:grpSpPr>
-      <p:sp>
-        <p:nvSpPr>
-          <p:cNvPr id="2" name="Title 1">
-            <a:extLst>
-              <a:ext uri="{FF2B5EF4-FFF2-40B4-BE49-F238E27FC236}">
                 <a16:creationId xmlns:a16="http://schemas.microsoft.com/office/drawing/2014/main" id="{14934B51-D208-1122-C7CC-E99AC8B7B203}"/>
               </a:ext>
             </a:extLst>
@@ -10763,7 +10815,7 @@
 </p:sld>
 </file>
 
-<file path=ppt/slides/slide7.xml><?xml version="1.0" encoding="utf-8"?>
+<file path=ppt/slides/slide6.xml><?xml version="1.0" encoding="utf-8"?>
 <p:sld xmlns:a="http://schemas.openxmlformats.org/drawingml/2006/main" xmlns:r="http://schemas.openxmlformats.org/officeDocument/2006/relationships" xmlns:p="http://schemas.openxmlformats.org/presentationml/2006/main">
   <p:cSld>
     <p:spTree>
@@ -10949,7 +11001,7 @@
 </p:sld>
 </file>
 
-<file path=ppt/slides/slide8.xml><?xml version="1.0" encoding="utf-8"?>
+<file path=ppt/slides/slide7.xml><?xml version="1.0" encoding="utf-8"?>
 <p:sld xmlns:a="http://schemas.openxmlformats.org/drawingml/2006/main" xmlns:r="http://schemas.openxmlformats.org/officeDocument/2006/relationships" xmlns:p="http://schemas.openxmlformats.org/presentationml/2006/main">
   <p:cSld>
     <p:spTree>
@@ -11174,7 +11226,7 @@
 </p:sld>
 </file>
 
-<file path=ppt/slides/slide9.xml><?xml version="1.0" encoding="utf-8"?>
+<file path=ppt/slides/slide8.xml><?xml version="1.0" encoding="utf-8"?>
 <p:sld xmlns:a="http://schemas.openxmlformats.org/drawingml/2006/main" xmlns:r="http://schemas.openxmlformats.org/officeDocument/2006/relationships" xmlns:p="http://schemas.openxmlformats.org/presentationml/2006/main">
   <p:cSld>
     <p:spTree>
@@ -11370,6 +11422,251 @@
                                           <p:spTgt spid="4">
                                             <p:txEl>
                                               <p:pRg st="1" end="1"/>
+                                            </p:txEl>
+                                          </p:spTgt>
+                                        </p:tgtEl>
+                                      </p:cBhvr>
+                                    </p:animEffect>
+                                  </p:childTnLst>
+                                </p:cTn>
+                              </p:par>
+                            </p:childTnLst>
+                          </p:cTn>
+                        </p:par>
+                      </p:childTnLst>
+                    </p:cTn>
+                  </p:par>
+                </p:childTnLst>
+              </p:cTn>
+              <p:prevCondLst>
+                <p:cond evt="onPrev" delay="0">
+                  <p:tgtEl>
+                    <p:sldTgt/>
+                  </p:tgtEl>
+                </p:cond>
+              </p:prevCondLst>
+              <p:nextCondLst>
+                <p:cond evt="onNext" delay="0">
+                  <p:tgtEl>
+                    <p:sldTgt/>
+                  </p:tgtEl>
+                </p:cond>
+              </p:nextCondLst>
+            </p:seq>
+          </p:childTnLst>
+        </p:cTn>
+      </p:par>
+    </p:tnLst>
+  </p:timing>
+</p:sld>
+</file>
+
+<file path=ppt/slides/slide9.xml><?xml version="1.0" encoding="utf-8"?>
+<p:sld xmlns:a="http://schemas.openxmlformats.org/drawingml/2006/main" xmlns:r="http://schemas.openxmlformats.org/officeDocument/2006/relationships" xmlns:p="http://schemas.openxmlformats.org/presentationml/2006/main">
+  <p:cSld>
+    <p:spTree>
+      <p:nvGrpSpPr>
+        <p:cNvPr id="1" name=""/>
+        <p:cNvGrpSpPr/>
+        <p:nvPr/>
+      </p:nvGrpSpPr>
+      <p:grpSpPr>
+        <a:xfrm>
+          <a:off x="0" y="0"/>
+          <a:ext cx="0" cy="0"/>
+          <a:chOff x="0" y="0"/>
+          <a:chExt cx="0" cy="0"/>
+        </a:xfrm>
+      </p:grpSpPr>
+      <p:sp>
+        <p:nvSpPr>
+          <p:cNvPr id="2" name="Title 1">
+            <a:extLst>
+              <a:ext uri="{FF2B5EF4-FFF2-40B4-BE49-F238E27FC236}">
+                <a16:creationId xmlns:a16="http://schemas.microsoft.com/office/drawing/2014/main" id="{14934B51-D208-1122-C7CC-E99AC8B7B203}"/>
+              </a:ext>
+            </a:extLst>
+          </p:cNvPr>
+          <p:cNvSpPr>
+            <a:spLocks noGrp="1"/>
+          </p:cNvSpPr>
+          <p:nvPr>
+            <p:ph type="title"/>
+          </p:nvPr>
+        </p:nvSpPr>
+        <p:spPr/>
+        <p:txBody>
+          <a:bodyPr/>
+          <a:lstStyle/>
+          <a:p>
+            <a:r>
+              <a:rPr lang="en-US" dirty="0"/>
+              <a:t>Agenda</a:t>
+            </a:r>
+          </a:p>
+        </p:txBody>
+      </p:sp>
+      <p:sp>
+        <p:nvSpPr>
+          <p:cNvPr id="3" name="Content Placeholder 2">
+            <a:extLst>
+              <a:ext uri="{FF2B5EF4-FFF2-40B4-BE49-F238E27FC236}">
+                <a16:creationId xmlns:a16="http://schemas.microsoft.com/office/drawing/2014/main" id="{BB87AE56-8EE7-0B67-1928-C884B62C680A}"/>
+              </a:ext>
+            </a:extLst>
+          </p:cNvPr>
+          <p:cNvSpPr>
+            <a:spLocks noGrp="1"/>
+          </p:cNvSpPr>
+          <p:nvPr>
+            <p:ph idx="1"/>
+          </p:nvPr>
+        </p:nvSpPr>
+        <p:spPr/>
+        <p:txBody>
+          <a:bodyPr/>
+          <a:lstStyle/>
+          <a:p>
+            <a:r>
+              <a:rPr lang="en-US" dirty="0"/>
+              <a:t>Introductions</a:t>
+            </a:r>
+          </a:p>
+          <a:p>
+            <a:r>
+              <a:rPr lang="en-US" dirty="0"/>
+              <a:t>Architecting Solutions to Meet Customer Needs</a:t>
+            </a:r>
+          </a:p>
+        </p:txBody>
+      </p:sp>
+      <p:sp>
+        <p:nvSpPr>
+          <p:cNvPr id="4" name="TextBox 3">
+            <a:extLst>
+              <a:ext uri="{FF2B5EF4-FFF2-40B4-BE49-F238E27FC236}">
+                <a16:creationId xmlns:a16="http://schemas.microsoft.com/office/drawing/2014/main" id="{7F74B035-71D4-32B5-371E-394363B4F3AA}"/>
+              </a:ext>
+            </a:extLst>
+          </p:cNvPr>
+          <p:cNvSpPr txBox="1"/>
+          <p:nvPr/>
+        </p:nvSpPr>
+        <p:spPr>
+          <a:xfrm>
+            <a:off x="3667225" y="4417996"/>
+            <a:ext cx="4221027" cy="923330"/>
+          </a:xfrm>
+          <a:prstGeom prst="rect">
+            <a:avLst/>
+          </a:prstGeom>
+          <a:noFill/>
+        </p:spPr>
+        <p:txBody>
+          <a:bodyPr wrap="none" rtlCol="0">
+            <a:spAutoFit/>
+          </a:bodyPr>
+          <a:lstStyle/>
+          <a:p>
+            <a:pPr marL="285750" indent="-285750">
+              <a:buFont typeface="Arial" panose="020B0604020202020204" pitchFamily="34" charset="0"/>
+              <a:buChar char="•"/>
+            </a:pPr>
+            <a:r>
+              <a:rPr lang="en-US" dirty="0"/>
+              <a:t>Understanding Customer Needs</a:t>
+            </a:r>
+          </a:p>
+          <a:p>
+            <a:pPr marL="285750" indent="-285750">
+              <a:buFont typeface="Arial" panose="020B0604020202020204" pitchFamily="34" charset="0"/>
+              <a:buChar char="•"/>
+            </a:pPr>
+            <a:r>
+              <a:rPr lang="en-US" dirty="0"/>
+              <a:t>Architecting Customer-Centric Solutions</a:t>
+            </a:r>
+          </a:p>
+          <a:p>
+            <a:pPr marL="285750" indent="-285750">
+              <a:buFont typeface="Arial" panose="020B0604020202020204" pitchFamily="34" charset="0"/>
+              <a:buChar char="•"/>
+            </a:pPr>
+            <a:r>
+              <a:rPr lang="en-US" dirty="0"/>
+              <a:t>Cloud Architecture Principles</a:t>
+            </a:r>
+          </a:p>
+        </p:txBody>
+      </p:sp>
+    </p:spTree>
+    <p:extLst>
+      <p:ext uri="{BB962C8B-B14F-4D97-AF65-F5344CB8AC3E}">
+        <p14:creationId xmlns:p14="http://schemas.microsoft.com/office/powerpoint/2010/main" val="3416197907"/>
+      </p:ext>
+    </p:extLst>
+  </p:cSld>
+  <p:clrMapOvr>
+    <a:masterClrMapping/>
+  </p:clrMapOvr>
+  <p:timing>
+    <p:tnLst>
+      <p:par>
+        <p:cTn id="1" dur="indefinite" restart="never" nodeType="tmRoot">
+          <p:childTnLst>
+            <p:seq concurrent="1" nextAc="seek">
+              <p:cTn id="2" dur="indefinite" nodeType="mainSeq">
+                <p:childTnLst>
+                  <p:par>
+                    <p:cTn id="3" fill="hold">
+                      <p:stCondLst>
+                        <p:cond delay="indefinite"/>
+                        <p:cond evt="onBegin" delay="0">
+                          <p:tn val="2"/>
+                        </p:cond>
+                      </p:stCondLst>
+                      <p:childTnLst>
+                        <p:par>
+                          <p:cTn id="4" fill="hold">
+                            <p:stCondLst>
+                              <p:cond delay="0"/>
+                            </p:stCondLst>
+                            <p:childTnLst>
+                              <p:par>
+                                <p:cTn id="5" presetID="10" presetClass="entr" presetSubtype="0" fill="hold" nodeType="afterEffect">
+                                  <p:stCondLst>
+                                    <p:cond delay="0"/>
+                                  </p:stCondLst>
+                                  <p:childTnLst>
+                                    <p:set>
+                                      <p:cBhvr>
+                                        <p:cTn id="6" dur="1" fill="hold">
+                                          <p:stCondLst>
+                                            <p:cond delay="0"/>
+                                          </p:stCondLst>
+                                        </p:cTn>
+                                        <p:tgtEl>
+                                          <p:spTgt spid="4">
+                                            <p:txEl>
+                                              <p:pRg st="2" end="2"/>
+                                            </p:txEl>
+                                          </p:spTgt>
+                                        </p:tgtEl>
+                                        <p:attrNameLst>
+                                          <p:attrName>style.visibility</p:attrName>
+                                        </p:attrNameLst>
+                                      </p:cBhvr>
+                                      <p:to>
+                                        <p:strVal val="visible"/>
+                                      </p:to>
+                                    </p:set>
+                                    <p:animEffect transition="in" filter="fade">
+                                      <p:cBhvr>
+                                        <p:cTn id="7" dur="500"/>
+                                        <p:tgtEl>
+                                          <p:spTgt spid="4">
+                                            <p:txEl>
+                                              <p:pRg st="2" end="2"/>
                                             </p:txEl>
                                           </p:spTgt>
                                         </p:tgtEl>
